--- a/documentation/MesaDND Presentation.pptx
+++ b/documentation/MesaDND Presentation.pptx
@@ -9923,15 +9923,92 @@
             </a:pPr>
             <a:r>
               <a:rPr lang="en"/>
-              <a:t>The project needed to be </a:t>
+              <a:t>The project need to be: </a:t>
             </a:r>
+            <a:endParaRPr/>
+          </a:p>
+          <a:p>
+            <a:pPr indent="-342900" lvl="0" marL="457200" rtl="0" algn="l">
+              <a:spcBef>
+                <a:spcPts val="1600"/>
+              </a:spcBef>
+              <a:spcAft>
+                <a:spcPts val="0"/>
+              </a:spcAft>
+              <a:buSzPts val="1800"/>
+              <a:buChar char="●"/>
+            </a:pPr>
             <a:r>
               <a:rPr lang="en"/>
-              <a:t>sufficiently planned,</a:t>
+              <a:t>sufficiently planned</a:t>
             </a:r>
+            <a:endParaRPr/>
+          </a:p>
+          <a:p>
+            <a:pPr indent="-342900" lvl="0" marL="457200" rtl="0" algn="l">
+              <a:spcBef>
+                <a:spcPts val="0"/>
+              </a:spcBef>
+              <a:spcAft>
+                <a:spcPts val="0"/>
+              </a:spcAft>
+              <a:buSzPts val="1800"/>
+              <a:buChar char="●"/>
+            </a:pPr>
             <a:r>
               <a:rPr lang="en"/>
-              <a:t> version controlled, utilising a CI Pipeline, built and deployed using Maven and with sufficient documentation.</a:t>
+              <a:t>Version controlled</a:t>
+            </a:r>
+            <a:endParaRPr/>
+          </a:p>
+          <a:p>
+            <a:pPr indent="-342900" lvl="0" marL="457200" rtl="0" algn="l">
+              <a:spcBef>
+                <a:spcPts val="0"/>
+              </a:spcBef>
+              <a:spcAft>
+                <a:spcPts val="0"/>
+              </a:spcAft>
+              <a:buSzPts val="1800"/>
+              <a:buChar char="●"/>
+            </a:pPr>
+            <a:r>
+              <a:rPr lang="en"/>
+              <a:t>Utilising a CI Pipeline</a:t>
+            </a:r>
+            <a:endParaRPr/>
+          </a:p>
+          <a:p>
+            <a:pPr indent="-342900" lvl="0" marL="457200" rtl="0" algn="l">
+              <a:spcBef>
+                <a:spcPts val="0"/>
+              </a:spcBef>
+              <a:spcAft>
+                <a:spcPts val="0"/>
+              </a:spcAft>
+              <a:buSzPts val="1800"/>
+              <a:buChar char="●"/>
+            </a:pPr>
+            <a:r>
+              <a:rPr lang="en"/>
+              <a:t>Built and deployed using Maven</a:t>
+            </a:r>
+            <a:endParaRPr/>
+          </a:p>
+          <a:p>
+            <a:pPr indent="-342900" lvl="0" marL="457200" rtl="0" algn="l">
+              <a:spcBef>
+                <a:spcPts val="0"/>
+              </a:spcBef>
+              <a:spcAft>
+                <a:spcPts val="0"/>
+              </a:spcAft>
+              <a:buSzPts val="1800"/>
+              <a:buChar char="●"/>
+            </a:pPr>
+            <a:r>
+              <a:rPr lang="en"/>
+              <a:t>Sufficient documentation.</a:t>
             </a:r>
             <a:endParaRPr/>
           </a:p>
@@ -10096,8 +10173,8 @@
         </p:nvSpPr>
         <p:spPr>
           <a:xfrm>
-            <a:off x="311700" y="3125550"/>
-            <a:ext cx="8520600" cy="1443300"/>
+            <a:off x="311700" y="3790600"/>
+            <a:ext cx="8520600" cy="652500"/>
           </a:xfrm>
           <a:prstGeom prst="rect">
             <a:avLst/>
@@ -10119,6 +10196,22 @@
               <a:buNone/>
             </a:pPr>
             <a:r>
+              <a:rPr lang="en"/>
+              <a:t>Testing requires at least 80% coverage.</a:t>
+            </a:r>
+            <a:endParaRPr/>
+          </a:p>
+          <a:p>
+            <a:pPr indent="0" lvl="0" marL="0" rtl="0" algn="l">
+              <a:spcBef>
+                <a:spcPts val="1600"/>
+              </a:spcBef>
+              <a:spcAft>
+                <a:spcPts val="0"/>
+              </a:spcAft>
+              <a:buNone/>
+            </a:pPr>
+            <a:r>
               <a:t/>
             </a:r>
             <a:endParaRPr/>
@@ -10134,8 +10227,7 @@
               <a:buNone/>
             </a:pPr>
             <a:r>
-              <a:rPr lang="en"/>
-              <a:t>The MVP isn’t great in scope, though is open-ended enough to be expanded upon far beyond these requirements.</a:t>
+              <a:t/>
             </a:r>
             <a:endParaRPr/>
           </a:p>
@@ -10247,41 +10339,6 @@
                 <a:sym typeface="Open Sans"/>
               </a:rPr>
               <a:t>The MVP is an application with full CRUD functionality, a working back-end and front-end, and extensive testing.</a:t>
-            </a:r>
-            <a:endParaRPr sz="1800">
-              <a:solidFill>
-                <a:schemeClr val="dk2"/>
-              </a:solidFill>
-              <a:latin typeface="Open Sans"/>
-              <a:ea typeface="Open Sans"/>
-              <a:cs typeface="Open Sans"/>
-              <a:sym typeface="Open Sans"/>
-            </a:endParaRPr>
-          </a:p>
-          <a:p>
-            <a:pPr indent="0" lvl="0" marL="0" rtl="0" algn="l">
-              <a:lnSpc>
-                <a:spcPct val="115000"/>
-              </a:lnSpc>
-              <a:spcBef>
-                <a:spcPts val="1600"/>
-              </a:spcBef>
-              <a:spcAft>
-                <a:spcPts val="0"/>
-              </a:spcAft>
-              <a:buNone/>
-            </a:pPr>
-            <a:r>
-              <a:rPr lang="en" sz="1800">
-                <a:solidFill>
-                  <a:schemeClr val="dk2"/>
-                </a:solidFill>
-                <a:latin typeface="Open Sans"/>
-                <a:ea typeface="Open Sans"/>
-                <a:cs typeface="Open Sans"/>
-                <a:sym typeface="Open Sans"/>
-              </a:rPr>
-              <a:t>Testing requires at least 80% coverage.</a:t>
             </a:r>
             <a:endParaRPr sz="1800">
               <a:solidFill>
